--- a/Specification/Spanish/Editable source images/Imágenes Spec Parte 6 - Chips controladores.pptx
+++ b/Specification/Spanish/Editable source images/Imágenes Spec Parte 6 - Chips controladores.pptx
@@ -295,7 +295,7 @@
             <a:fld id="{1762487E-E677-4519-9D9B-00832401FE8D}" type="datetimeFigureOut">
               <a:rPr lang="es-ES" smtClean="0"/>
               <a:pPr/>
-              <a:t>10/12/2023</a:t>
+              <a:t>06/01/2024</a:t>
             </a:fld>
             <a:endParaRPr lang="es-ES"/>
           </a:p>
@@ -462,7 +462,7 @@
             <a:fld id="{1762487E-E677-4519-9D9B-00832401FE8D}" type="datetimeFigureOut">
               <a:rPr lang="es-ES" smtClean="0"/>
               <a:pPr/>
-              <a:t>10/12/2023</a:t>
+              <a:t>06/01/2024</a:t>
             </a:fld>
             <a:endParaRPr lang="es-ES"/>
           </a:p>
@@ -639,7 +639,7 @@
             <a:fld id="{1762487E-E677-4519-9D9B-00832401FE8D}" type="datetimeFigureOut">
               <a:rPr lang="es-ES" smtClean="0"/>
               <a:pPr/>
-              <a:t>10/12/2023</a:t>
+              <a:t>06/01/2024</a:t>
             </a:fld>
             <a:endParaRPr lang="es-ES"/>
           </a:p>
@@ -806,7 +806,7 @@
             <a:fld id="{1762487E-E677-4519-9D9B-00832401FE8D}" type="datetimeFigureOut">
               <a:rPr lang="es-ES" smtClean="0"/>
               <a:pPr/>
-              <a:t>10/12/2023</a:t>
+              <a:t>06/01/2024</a:t>
             </a:fld>
             <a:endParaRPr lang="es-ES"/>
           </a:p>
@@ -1049,7 +1049,7 @@
             <a:fld id="{1762487E-E677-4519-9D9B-00832401FE8D}" type="datetimeFigureOut">
               <a:rPr lang="es-ES" smtClean="0"/>
               <a:pPr/>
-              <a:t>10/12/2023</a:t>
+              <a:t>06/01/2024</a:t>
             </a:fld>
             <a:endParaRPr lang="es-ES"/>
           </a:p>
@@ -1334,7 +1334,7 @@
             <a:fld id="{1762487E-E677-4519-9D9B-00832401FE8D}" type="datetimeFigureOut">
               <a:rPr lang="es-ES" smtClean="0"/>
               <a:pPr/>
-              <a:t>10/12/2023</a:t>
+              <a:t>06/01/2024</a:t>
             </a:fld>
             <a:endParaRPr lang="es-ES"/>
           </a:p>
@@ -1758,7 +1758,7 @@
             <a:fld id="{1762487E-E677-4519-9D9B-00832401FE8D}" type="datetimeFigureOut">
               <a:rPr lang="es-ES" smtClean="0"/>
               <a:pPr/>
-              <a:t>10/12/2023</a:t>
+              <a:t>06/01/2024</a:t>
             </a:fld>
             <a:endParaRPr lang="es-ES"/>
           </a:p>
@@ -1873,7 +1873,7 @@
             <a:fld id="{1762487E-E677-4519-9D9B-00832401FE8D}" type="datetimeFigureOut">
               <a:rPr lang="es-ES" smtClean="0"/>
               <a:pPr/>
-              <a:t>10/12/2023</a:t>
+              <a:t>06/01/2024</a:t>
             </a:fld>
             <a:endParaRPr lang="es-ES"/>
           </a:p>
@@ -1965,7 +1965,7 @@
             <a:fld id="{1762487E-E677-4519-9D9B-00832401FE8D}" type="datetimeFigureOut">
               <a:rPr lang="es-ES" smtClean="0"/>
               <a:pPr/>
-              <a:t>10/12/2023</a:t>
+              <a:t>06/01/2024</a:t>
             </a:fld>
             <a:endParaRPr lang="es-ES"/>
           </a:p>
@@ -2239,7 +2239,7 @@
             <a:fld id="{1762487E-E677-4519-9D9B-00832401FE8D}" type="datetimeFigureOut">
               <a:rPr lang="es-ES" smtClean="0"/>
               <a:pPr/>
-              <a:t>10/12/2023</a:t>
+              <a:t>06/01/2024</a:t>
             </a:fld>
             <a:endParaRPr lang="es-ES"/>
           </a:p>
@@ -2489,7 +2489,7 @@
             <a:fld id="{1762487E-E677-4519-9D9B-00832401FE8D}" type="datetimeFigureOut">
               <a:rPr lang="es-ES" smtClean="0"/>
               <a:pPr/>
-              <a:t>10/12/2023</a:t>
+              <a:t>06/01/2024</a:t>
             </a:fld>
             <a:endParaRPr lang="es-ES"/>
           </a:p>
@@ -2702,7 +2702,7 @@
             <a:fld id="{1762487E-E677-4519-9D9B-00832401FE8D}" type="datetimeFigureOut">
               <a:rPr lang="es-ES" smtClean="0"/>
               <a:pPr/>
-              <a:t>10/12/2023</a:t>
+              <a:t>06/01/2024</a:t>
             </a:fld>
             <a:endParaRPr lang="es-ES"/>
           </a:p>
@@ -3126,15 +3126,7 @@
                   <a:srgbClr val="0070C0"/>
                 </a:solidFill>
               </a:rPr>
-              <a:t> </a:t>
-            </a:r>
-            <a:r>
-              <a:rPr lang="es-ES" smtClean="0">
-                <a:solidFill>
-                  <a:srgbClr val="0070C0"/>
-                </a:solidFill>
-              </a:rPr>
-              <a:t>Consola</a:t>
+              <a:t> Consola</a:t>
             </a:r>
             <a:endParaRPr lang="es-ES">
               <a:solidFill>
@@ -3488,7 +3480,23 @@
                   <a:srgbClr val="006600"/>
                 </a:solidFill>
               </a:rPr>
-              <a:t>Memoria ó estado interno</a:t>
+              <a:t>Memoria </a:t>
+            </a:r>
+            <a:r>
+              <a:rPr lang="es-ES" sz="1400" smtClean="0">
+                <a:solidFill>
+                  <a:srgbClr val="006600"/>
+                </a:solidFill>
+              </a:rPr>
+              <a:t>o </a:t>
+            </a:r>
+            <a:r>
+              <a:rPr lang="es-ES" sz="1400" smtClean="0">
+                <a:solidFill>
+                  <a:srgbClr val="006600"/>
+                </a:solidFill>
+              </a:rPr>
+              <a:t>estado interno</a:t>
             </a:r>
             <a:endParaRPr lang="es-ES" sz="1400">
               <a:solidFill>
@@ -3590,11 +3598,6 @@
               </a:rPr>
               <a:t>Puerto /</a:t>
             </a:r>
-            <a:endParaRPr lang="es-ES" sz="1400" smtClean="0">
-              <a:solidFill>
-                <a:schemeClr val="tx1"/>
-              </a:solidFill>
-            </a:endParaRPr>
           </a:p>
           <a:p>
             <a:pPr algn="ctr"/>
@@ -3669,11 +3672,6 @@
               </a:rPr>
               <a:t>Conector</a:t>
             </a:r>
-            <a:endParaRPr lang="es-ES" sz="1400" smtClean="0">
-              <a:solidFill>
-                <a:schemeClr val="tx1"/>
-              </a:solidFill>
-            </a:endParaRPr>
           </a:p>
         </p:txBody>
       </p:sp>
@@ -3755,15 +3753,7 @@
                   <a:srgbClr val="0070C0"/>
                 </a:solidFill>
               </a:rPr>
-              <a:t> </a:t>
-            </a:r>
-            <a:r>
-              <a:rPr lang="es-ES" sz="2400" smtClean="0">
-                <a:solidFill>
-                  <a:srgbClr val="0070C0"/>
-                </a:solidFill>
-              </a:rPr>
-              <a:t>Consola</a:t>
+              <a:t> Consola</a:t>
             </a:r>
             <a:endParaRPr lang="es-ES" sz="2400">
               <a:solidFill>
@@ -3834,7 +3824,15 @@
                   <a:srgbClr val="C00000"/>
                 </a:solidFill>
               </a:rPr>
-              <a:t>de entradas</a:t>
+              <a:t>de </a:t>
+            </a:r>
+            <a:r>
+              <a:rPr lang="es-ES" sz="1600" b="1" smtClean="0">
+                <a:solidFill>
+                  <a:srgbClr val="C00000"/>
+                </a:solidFill>
+              </a:rPr>
+              <a:t>mandos</a:t>
             </a:r>
             <a:endParaRPr lang="es-ES" sz="1600" b="1">
               <a:solidFill>
@@ -4263,15 +4261,7 @@
                   <a:srgbClr val="006600"/>
                 </a:solidFill>
               </a:rPr>
-              <a:t>Mando </a:t>
-            </a:r>
-            <a:r>
-              <a:rPr lang="es-ES" sz="1400" smtClean="0">
-                <a:solidFill>
-                  <a:srgbClr val="006600"/>
-                </a:solidFill>
-              </a:rPr>
-              <a:t>2</a:t>
+              <a:t>Mando 2</a:t>
             </a:r>
             <a:endParaRPr lang="es-ES" sz="1400">
               <a:solidFill>
@@ -4331,15 +4321,7 @@
                   <a:srgbClr val="006600"/>
                 </a:solidFill>
               </a:rPr>
-              <a:t>Mando </a:t>
-            </a:r>
-            <a:r>
-              <a:rPr lang="es-ES" sz="1400" smtClean="0">
-                <a:solidFill>
-                  <a:srgbClr val="006600"/>
-                </a:solidFill>
-              </a:rPr>
-              <a:t>3</a:t>
+              <a:t>Mando 3</a:t>
             </a:r>
             <a:endParaRPr lang="es-ES" sz="1400">
               <a:solidFill>
@@ -4399,15 +4381,7 @@
                   <a:srgbClr val="006600"/>
                 </a:solidFill>
               </a:rPr>
-              <a:t>Mando </a:t>
-            </a:r>
-            <a:r>
-              <a:rPr lang="es-ES" sz="1400" smtClean="0">
-                <a:solidFill>
-                  <a:srgbClr val="006600"/>
-                </a:solidFill>
-              </a:rPr>
-              <a:t>4</a:t>
+              <a:t>Mando 4</a:t>
             </a:r>
             <a:endParaRPr lang="es-ES" sz="1400">
               <a:solidFill>
@@ -4733,7 +4707,7 @@
           <p:cNvPr id="9" name="CuadroTexto 19">
             <a:extLst>
               <a:ext uri="{FF2B5EF4-FFF2-40B4-BE49-F238E27FC236}">
-                <a16:creationId xmlns="" xmlns:a16="http://schemas.microsoft.com/office/drawing/2014/main" id="{B81A97C9-B44A-4DCA-962F-3BB6FD3A6362}"/>
+                <a16:creationId xmlns:a16="http://schemas.microsoft.com/office/drawing/2014/main" xmlns="" id="{B81A97C9-B44A-4DCA-962F-3BB6FD3A6362}"/>
               </a:ext>
             </a:extLst>
           </p:cNvPr>
@@ -4951,9 +4925,6 @@
               </a:rPr>
               <a:t>Estado del</a:t>
             </a:r>
-            <a:endParaRPr lang="es-ES" sz="2000" smtClean="0">
-              <a:latin typeface="Arial Rounded MT Bold" pitchFamily="34" charset="0"/>
-            </a:endParaRPr>
           </a:p>
           <a:p>
             <a:pPr algn="ctr"/>
@@ -4961,13 +4932,7 @@
               <a:rPr lang="es-ES" sz="2000" smtClean="0">
                 <a:latin typeface="Arial Rounded MT Bold" pitchFamily="34" charset="0"/>
               </a:rPr>
-              <a:t>botó</a:t>
-            </a:r>
-            <a:r>
-              <a:rPr lang="es-ES" sz="2000" smtClean="0">
-                <a:latin typeface="Arial Rounded MT Bold" pitchFamily="34" charset="0"/>
-              </a:rPr>
-              <a:t>n </a:t>
+              <a:t>botón </a:t>
             </a:r>
             <a:r>
               <a:rPr lang="es-ES" sz="2000">
@@ -5411,7 +5376,7 @@
           <p:cNvPr id="27" name="36 Conector">
             <a:extLst>
               <a:ext uri="{FF2B5EF4-FFF2-40B4-BE49-F238E27FC236}">
-                <a16:creationId xmlns="" xmlns:a16="http://schemas.microsoft.com/office/drawing/2014/main" id="{11CC1446-9291-450E-9B53-2A15F8DBEF08}"/>
+                <a16:creationId xmlns:a16="http://schemas.microsoft.com/office/drawing/2014/main" xmlns="" id="{11CC1446-9291-450E-9B53-2A15F8DBEF08}"/>
               </a:ext>
             </a:extLst>
           </p:cNvPr>
@@ -5463,7 +5428,7 @@
           <p:cNvPr id="28" name="29 Conector recto de flecha">
             <a:extLst>
               <a:ext uri="{FF2B5EF4-FFF2-40B4-BE49-F238E27FC236}">
-                <a16:creationId xmlns="" xmlns:a16="http://schemas.microsoft.com/office/drawing/2014/main" id="{E051F635-5666-428C-91BF-EB77E088BD3E}"/>
+                <a16:creationId xmlns:a16="http://schemas.microsoft.com/office/drawing/2014/main" xmlns="" id="{E051F635-5666-428C-91BF-EB77E088BD3E}"/>
               </a:ext>
             </a:extLst>
           </p:cNvPr>
@@ -5506,7 +5471,7 @@
           <p:cNvPr id="30" name="16 Decisión">
             <a:extLst>
               <a:ext uri="{FF2B5EF4-FFF2-40B4-BE49-F238E27FC236}">
-                <a16:creationId xmlns="" xmlns:a16="http://schemas.microsoft.com/office/drawing/2014/main" id="{FD2C65EB-311B-4CBC-A411-E81D45AF1666}"/>
+                <a16:creationId xmlns:a16="http://schemas.microsoft.com/office/drawing/2014/main" xmlns="" id="{FD2C65EB-311B-4CBC-A411-E81D45AF1666}"/>
               </a:ext>
             </a:extLst>
           </p:cNvPr>
@@ -5564,7 +5529,7 @@
           <p:cNvPr id="46" name="30 CuadroTexto">
             <a:extLst>
               <a:ext uri="{FF2B5EF4-FFF2-40B4-BE49-F238E27FC236}">
-                <a16:creationId xmlns="" xmlns:a16="http://schemas.microsoft.com/office/drawing/2014/main" id="{4C0646B8-2B7E-4579-AEF8-C28BED180070}"/>
+                <a16:creationId xmlns:a16="http://schemas.microsoft.com/office/drawing/2014/main" xmlns="" id="{4C0646B8-2B7E-4579-AEF8-C28BED180070}"/>
               </a:ext>
             </a:extLst>
           </p:cNvPr>
@@ -5601,7 +5566,7 @@
           <p:cNvPr id="48" name="29 Conector recto de flecha">
             <a:extLst>
               <a:ext uri="{FF2B5EF4-FFF2-40B4-BE49-F238E27FC236}">
-                <a16:creationId xmlns="" xmlns:a16="http://schemas.microsoft.com/office/drawing/2014/main" id="{E051F635-5666-428C-91BF-EB77E088BD3E}"/>
+                <a16:creationId xmlns:a16="http://schemas.microsoft.com/office/drawing/2014/main" xmlns="" id="{E051F635-5666-428C-91BF-EB77E088BD3E}"/>
               </a:ext>
             </a:extLst>
           </p:cNvPr>
@@ -5644,7 +5609,7 @@
           <p:cNvPr id="49" name="29 Conector recto de flecha">
             <a:extLst>
               <a:ext uri="{FF2B5EF4-FFF2-40B4-BE49-F238E27FC236}">
-                <a16:creationId xmlns="" xmlns:a16="http://schemas.microsoft.com/office/drawing/2014/main" id="{E051F635-5666-428C-91BF-EB77E088BD3E}"/>
+                <a16:creationId xmlns:a16="http://schemas.microsoft.com/office/drawing/2014/main" xmlns="" id="{E051F635-5666-428C-91BF-EB77E088BD3E}"/>
               </a:ext>
             </a:extLst>
           </p:cNvPr>
@@ -5686,7 +5651,7 @@
           <p:cNvPr id="51" name="20 Rectángulo redondeado">
             <a:extLst>
               <a:ext uri="{FF2B5EF4-FFF2-40B4-BE49-F238E27FC236}">
-                <a16:creationId xmlns="" xmlns:a16="http://schemas.microsoft.com/office/drawing/2014/main" id="{7938FCD4-2AEB-4A9C-BFA6-FF58F425573D}"/>
+                <a16:creationId xmlns:a16="http://schemas.microsoft.com/office/drawing/2014/main" xmlns="" id="{7938FCD4-2AEB-4A9C-BFA6-FF58F425573D}"/>
               </a:ext>
             </a:extLst>
           </p:cNvPr>
@@ -5736,11 +5701,7 @@
             <a:pPr algn="ctr"/>
             <a:r>
               <a:rPr lang="es-ES" sz="1100" smtClean="0"/>
-              <a:t>Estado = </a:t>
-            </a:r>
-            <a:r>
-              <a:rPr lang="es-ES" sz="1100" smtClean="0"/>
-              <a:t>–3600</a:t>
+              <a:t>Estado = –3600</a:t>
             </a:r>
             <a:endParaRPr lang="es-ES" sz="1100"/>
           </a:p>
@@ -5751,7 +5712,7 @@
           <p:cNvPr id="52" name="19 Grupo">
             <a:extLst>
               <a:ext uri="{FF2B5EF4-FFF2-40B4-BE49-F238E27FC236}">
-                <a16:creationId xmlns="" xmlns:a16="http://schemas.microsoft.com/office/drawing/2014/main" id="{72728B6F-9E0E-4855-9B6A-D98006B948B6}"/>
+                <a16:creationId xmlns:a16="http://schemas.microsoft.com/office/drawing/2014/main" xmlns="" id="{72728B6F-9E0E-4855-9B6A-D98006B948B6}"/>
               </a:ext>
             </a:extLst>
           </p:cNvPr>
@@ -5771,7 +5732,7 @@
             <p:cNvPr id="53" name="42 Conector">
               <a:extLst>
                 <a:ext uri="{FF2B5EF4-FFF2-40B4-BE49-F238E27FC236}">
-                  <a16:creationId xmlns="" xmlns:a16="http://schemas.microsoft.com/office/drawing/2014/main" id="{373A1267-C09A-4344-AB04-4D134201A6BE}"/>
+                  <a16:creationId xmlns:a16="http://schemas.microsoft.com/office/drawing/2014/main" xmlns="" id="{373A1267-C09A-4344-AB04-4D134201A6BE}"/>
                 </a:ext>
               </a:extLst>
             </p:cNvPr>
@@ -5828,7 +5789,7 @@
             <p:cNvPr id="54" name="43 Conector">
               <a:extLst>
                 <a:ext uri="{FF2B5EF4-FFF2-40B4-BE49-F238E27FC236}">
-                  <a16:creationId xmlns="" xmlns:a16="http://schemas.microsoft.com/office/drawing/2014/main" id="{63920072-F0D4-437F-AAD7-67A75B8A9057}"/>
+                  <a16:creationId xmlns:a16="http://schemas.microsoft.com/office/drawing/2014/main" xmlns="" id="{63920072-F0D4-437F-AAD7-67A75B8A9057}"/>
                 </a:ext>
               </a:extLst>
             </p:cNvPr>
@@ -5883,7 +5844,7 @@
           <p:cNvPr id="55" name="29 Conector recto de flecha">
             <a:extLst>
               <a:ext uri="{FF2B5EF4-FFF2-40B4-BE49-F238E27FC236}">
-                <a16:creationId xmlns="" xmlns:a16="http://schemas.microsoft.com/office/drawing/2014/main" id="{D6C31BC0-E444-49C8-BD7A-147BEB33D395}"/>
+                <a16:creationId xmlns:a16="http://schemas.microsoft.com/office/drawing/2014/main" xmlns="" id="{D6C31BC0-E444-49C8-BD7A-147BEB33D395}"/>
               </a:ext>
             </a:extLst>
           </p:cNvPr>
@@ -5926,7 +5887,7 @@
           <p:cNvPr id="59" name="16 Decisión">
             <a:extLst>
               <a:ext uri="{FF2B5EF4-FFF2-40B4-BE49-F238E27FC236}">
-                <a16:creationId xmlns="" xmlns:a16="http://schemas.microsoft.com/office/drawing/2014/main" id="{FD2C65EB-311B-4CBC-A411-E81D45AF1666}"/>
+                <a16:creationId xmlns:a16="http://schemas.microsoft.com/office/drawing/2014/main" xmlns="" id="{FD2C65EB-311B-4CBC-A411-E81D45AF1666}"/>
               </a:ext>
             </a:extLst>
           </p:cNvPr>
@@ -5984,7 +5945,7 @@
           <p:cNvPr id="60" name="30 CuadroTexto">
             <a:extLst>
               <a:ext uri="{FF2B5EF4-FFF2-40B4-BE49-F238E27FC236}">
-                <a16:creationId xmlns="" xmlns:a16="http://schemas.microsoft.com/office/drawing/2014/main" id="{6FAC7A1A-4EE0-4C6E-8C57-737F69FEEA58}"/>
+                <a16:creationId xmlns:a16="http://schemas.microsoft.com/office/drawing/2014/main" xmlns="" id="{6FAC7A1A-4EE0-4C6E-8C57-737F69FEEA58}"/>
               </a:ext>
             </a:extLst>
           </p:cNvPr>
@@ -6020,7 +5981,7 @@
           <p:cNvPr id="61" name="30 CuadroTexto">
             <a:extLst>
               <a:ext uri="{FF2B5EF4-FFF2-40B4-BE49-F238E27FC236}">
-                <a16:creationId xmlns="" xmlns:a16="http://schemas.microsoft.com/office/drawing/2014/main" id="{5B67840B-D3E7-4642-A33C-52505043E768}"/>
+                <a16:creationId xmlns:a16="http://schemas.microsoft.com/office/drawing/2014/main" xmlns="" id="{5B67840B-D3E7-4642-A33C-52505043E768}"/>
               </a:ext>
             </a:extLst>
           </p:cNvPr>
@@ -6055,7 +6016,7 @@
           <p:cNvPr id="64" name="30 CuadroTexto">
             <a:extLst>
               <a:ext uri="{FF2B5EF4-FFF2-40B4-BE49-F238E27FC236}">
-                <a16:creationId xmlns="" xmlns:a16="http://schemas.microsoft.com/office/drawing/2014/main" id="{4C0646B8-2B7E-4579-AEF8-C28BED180070}"/>
+                <a16:creationId xmlns:a16="http://schemas.microsoft.com/office/drawing/2014/main" xmlns="" id="{4C0646B8-2B7E-4579-AEF8-C28BED180070}"/>
               </a:ext>
             </a:extLst>
           </p:cNvPr>
@@ -6092,7 +6053,7 @@
           <p:cNvPr id="68" name="29 Conector recto de flecha">
             <a:extLst>
               <a:ext uri="{FF2B5EF4-FFF2-40B4-BE49-F238E27FC236}">
-                <a16:creationId xmlns="" xmlns:a16="http://schemas.microsoft.com/office/drawing/2014/main" id="{E051F635-5666-428C-91BF-EB77E088BD3E}"/>
+                <a16:creationId xmlns:a16="http://schemas.microsoft.com/office/drawing/2014/main" xmlns="" id="{E051F635-5666-428C-91BF-EB77E088BD3E}"/>
               </a:ext>
             </a:extLst>
           </p:cNvPr>
@@ -6134,7 +6095,7 @@
           <p:cNvPr id="70" name="30 CuadroTexto">
             <a:extLst>
               <a:ext uri="{FF2B5EF4-FFF2-40B4-BE49-F238E27FC236}">
-                <a16:creationId xmlns="" xmlns:a16="http://schemas.microsoft.com/office/drawing/2014/main" id="{6FAC7A1A-4EE0-4C6E-8C57-737F69FEEA58}"/>
+                <a16:creationId xmlns:a16="http://schemas.microsoft.com/office/drawing/2014/main" xmlns="" id="{6FAC7A1A-4EE0-4C6E-8C57-737F69FEEA58}"/>
               </a:ext>
             </a:extLst>
           </p:cNvPr>
@@ -6161,7 +6122,6 @@
               <a:rPr lang="es-ES" sz="1100" smtClean="0"/>
               <a:t>Sí</a:t>
             </a:r>
-            <a:endParaRPr lang="es-ES" sz="1100" smtClean="0"/>
           </a:p>
         </p:txBody>
       </p:sp>
@@ -6170,7 +6130,7 @@
           <p:cNvPr id="71" name="30 CuadroTexto">
             <a:extLst>
               <a:ext uri="{FF2B5EF4-FFF2-40B4-BE49-F238E27FC236}">
-                <a16:creationId xmlns="" xmlns:a16="http://schemas.microsoft.com/office/drawing/2014/main" id="{5B67840B-D3E7-4642-A33C-52505043E768}"/>
+                <a16:creationId xmlns:a16="http://schemas.microsoft.com/office/drawing/2014/main" xmlns="" id="{5B67840B-D3E7-4642-A33C-52505043E768}"/>
               </a:ext>
             </a:extLst>
           </p:cNvPr>
@@ -6205,7 +6165,7 @@
           <p:cNvPr id="76" name="16 Decisión">
             <a:extLst>
               <a:ext uri="{FF2B5EF4-FFF2-40B4-BE49-F238E27FC236}">
-                <a16:creationId xmlns="" xmlns:a16="http://schemas.microsoft.com/office/drawing/2014/main" id="{FD2C65EB-311B-4CBC-A411-E81D45AF1666}"/>
+                <a16:creationId xmlns:a16="http://schemas.microsoft.com/office/drawing/2014/main" xmlns="" id="{FD2C65EB-311B-4CBC-A411-E81D45AF1666}"/>
               </a:ext>
             </a:extLst>
           </p:cNvPr>
@@ -6263,7 +6223,7 @@
           <p:cNvPr id="77" name="30 CuadroTexto">
             <a:extLst>
               <a:ext uri="{FF2B5EF4-FFF2-40B4-BE49-F238E27FC236}">
-                <a16:creationId xmlns="" xmlns:a16="http://schemas.microsoft.com/office/drawing/2014/main" id="{4C0646B8-2B7E-4579-AEF8-C28BED180070}"/>
+                <a16:creationId xmlns:a16="http://schemas.microsoft.com/office/drawing/2014/main" xmlns="" id="{4C0646B8-2B7E-4579-AEF8-C28BED180070}"/>
               </a:ext>
             </a:extLst>
           </p:cNvPr>
@@ -6336,7 +6296,7 @@
           <p:cNvPr id="80" name="16 Decisión">
             <a:extLst>
               <a:ext uri="{FF2B5EF4-FFF2-40B4-BE49-F238E27FC236}">
-                <a16:creationId xmlns="" xmlns:a16="http://schemas.microsoft.com/office/drawing/2014/main" id="{FD2C65EB-311B-4CBC-A411-E81D45AF1666}"/>
+                <a16:creationId xmlns:a16="http://schemas.microsoft.com/office/drawing/2014/main" xmlns="" id="{FD2C65EB-311B-4CBC-A411-E81D45AF1666}"/>
               </a:ext>
             </a:extLst>
           </p:cNvPr>
@@ -6394,7 +6354,7 @@
           <p:cNvPr id="84" name="29 Conector recto de flecha">
             <a:extLst>
               <a:ext uri="{FF2B5EF4-FFF2-40B4-BE49-F238E27FC236}">
-                <a16:creationId xmlns="" xmlns:a16="http://schemas.microsoft.com/office/drawing/2014/main" id="{E051F635-5666-428C-91BF-EB77E088BD3E}"/>
+                <a16:creationId xmlns:a16="http://schemas.microsoft.com/office/drawing/2014/main" xmlns="" id="{E051F635-5666-428C-91BF-EB77E088BD3E}"/>
               </a:ext>
             </a:extLst>
           </p:cNvPr>
@@ -6437,7 +6397,7 @@
           <p:cNvPr id="85" name="29 Conector recto de flecha">
             <a:extLst>
               <a:ext uri="{FF2B5EF4-FFF2-40B4-BE49-F238E27FC236}">
-                <a16:creationId xmlns="" xmlns:a16="http://schemas.microsoft.com/office/drawing/2014/main" id="{E051F635-5666-428C-91BF-EB77E088BD3E}"/>
+                <a16:creationId xmlns:a16="http://schemas.microsoft.com/office/drawing/2014/main" xmlns="" id="{E051F635-5666-428C-91BF-EB77E088BD3E}"/>
               </a:ext>
             </a:extLst>
           </p:cNvPr>
@@ -6480,7 +6440,7 @@
           <p:cNvPr id="87" name="20 Rectángulo redondeado">
             <a:extLst>
               <a:ext uri="{FF2B5EF4-FFF2-40B4-BE49-F238E27FC236}">
-                <a16:creationId xmlns="" xmlns:a16="http://schemas.microsoft.com/office/drawing/2014/main" id="{7938FCD4-2AEB-4A9C-BFA6-FF58F425573D}"/>
+                <a16:creationId xmlns:a16="http://schemas.microsoft.com/office/drawing/2014/main" xmlns="" id="{7938FCD4-2AEB-4A9C-BFA6-FF58F425573D}"/>
               </a:ext>
             </a:extLst>
           </p:cNvPr>
@@ -6532,20 +6492,12 @@
               <a:rPr lang="es-ES" sz="1200" smtClean="0"/>
               <a:t>Estado =</a:t>
             </a:r>
-            <a:r>
-              <a:rPr lang="es-ES" sz="1200" smtClean="0"/>
-              <a:t/>
-            </a:r>
             <a:br>
               <a:rPr lang="es-ES" sz="1200" smtClean="0"/>
             </a:br>
             <a:r>
               <a:rPr lang="es-ES" sz="1200" smtClean="0"/>
-              <a:t> Estado + </a:t>
-            </a:r>
-            <a:r>
-              <a:rPr lang="es-ES" sz="1200" smtClean="0"/>
-              <a:t>1</a:t>
+              <a:t> Estado + 1</a:t>
             </a:r>
             <a:endParaRPr lang="es-ES" sz="1200"/>
           </a:p>
@@ -6556,7 +6508,7 @@
           <p:cNvPr id="88" name="20 Rectángulo redondeado">
             <a:extLst>
               <a:ext uri="{FF2B5EF4-FFF2-40B4-BE49-F238E27FC236}">
-                <a16:creationId xmlns="" xmlns:a16="http://schemas.microsoft.com/office/drawing/2014/main" id="{7938FCD4-2AEB-4A9C-BFA6-FF58F425573D}"/>
+                <a16:creationId xmlns:a16="http://schemas.microsoft.com/office/drawing/2014/main" xmlns="" id="{7938FCD4-2AEB-4A9C-BFA6-FF58F425573D}"/>
               </a:ext>
             </a:extLst>
           </p:cNvPr>
@@ -6606,11 +6558,7 @@
             <a:pPr algn="ctr"/>
             <a:r>
               <a:rPr lang="es-ES" sz="1200" smtClean="0"/>
-              <a:t>Estado = </a:t>
-            </a:r>
-            <a:r>
-              <a:rPr lang="es-ES" sz="1200" smtClean="0"/>
-              <a:t>–1</a:t>
+              <a:t>Estado = –1</a:t>
             </a:r>
             <a:endParaRPr lang="es-ES" sz="1200"/>
           </a:p>
@@ -6621,7 +6569,7 @@
           <p:cNvPr id="89" name="20 Rectángulo redondeado">
             <a:extLst>
               <a:ext uri="{FF2B5EF4-FFF2-40B4-BE49-F238E27FC236}">
-                <a16:creationId xmlns="" xmlns:a16="http://schemas.microsoft.com/office/drawing/2014/main" id="{7938FCD4-2AEB-4A9C-BFA6-FF58F425573D}"/>
+                <a16:creationId xmlns:a16="http://schemas.microsoft.com/office/drawing/2014/main" xmlns="" id="{7938FCD4-2AEB-4A9C-BFA6-FF58F425573D}"/>
               </a:ext>
             </a:extLst>
           </p:cNvPr>
@@ -6671,11 +6619,7 @@
             <a:pPr algn="ctr"/>
             <a:r>
               <a:rPr lang="es-ES" sz="1200" smtClean="0"/>
-              <a:t>Estado = </a:t>
-            </a:r>
-            <a:r>
-              <a:rPr lang="es-ES" sz="1200" smtClean="0"/>
-              <a:t>1</a:t>
+              <a:t>Estado = 1</a:t>
             </a:r>
             <a:endParaRPr lang="es-ES" sz="1200"/>
           </a:p>
@@ -6686,7 +6630,7 @@
           <p:cNvPr id="90" name="20 Rectángulo redondeado">
             <a:extLst>
               <a:ext uri="{FF2B5EF4-FFF2-40B4-BE49-F238E27FC236}">
-                <a16:creationId xmlns="" xmlns:a16="http://schemas.microsoft.com/office/drawing/2014/main" id="{7938FCD4-2AEB-4A9C-BFA6-FF58F425573D}"/>
+                <a16:creationId xmlns:a16="http://schemas.microsoft.com/office/drawing/2014/main" xmlns="" id="{7938FCD4-2AEB-4A9C-BFA6-FF58F425573D}"/>
               </a:ext>
             </a:extLst>
           </p:cNvPr>
@@ -6738,28 +6682,12 @@
               <a:rPr lang="es-ES" sz="1200" smtClean="0"/>
               <a:t>Estado =</a:t>
             </a:r>
-            <a:r>
-              <a:rPr lang="es-ES" sz="1200" smtClean="0"/>
-              <a:t/>
-            </a:r>
             <a:br>
               <a:rPr lang="es-ES" sz="1200" smtClean="0"/>
             </a:br>
             <a:r>
               <a:rPr lang="es-ES" sz="1200" smtClean="0"/>
-              <a:t> </a:t>
-            </a:r>
-            <a:r>
-              <a:rPr lang="es-ES" sz="1200" smtClean="0"/>
-              <a:t>Estado </a:t>
-            </a:r>
-            <a:r>
-              <a:rPr lang="es-ES" sz="1200" smtClean="0"/>
-              <a:t>– </a:t>
-            </a:r>
-            <a:r>
-              <a:rPr lang="es-ES" sz="1200" smtClean="0"/>
-              <a:t>1</a:t>
+              <a:t> Estado – 1</a:t>
             </a:r>
             <a:endParaRPr lang="es-ES" sz="1200"/>
           </a:p>
@@ -6842,7 +6770,7 @@
           <p:cNvPr id="42" name="19 Grupo">
             <a:extLst>
               <a:ext uri="{FF2B5EF4-FFF2-40B4-BE49-F238E27FC236}">
-                <a16:creationId xmlns="" xmlns:a16="http://schemas.microsoft.com/office/drawing/2014/main" id="{72728B6F-9E0E-4855-9B6A-D98006B948B6}"/>
+                <a16:creationId xmlns:a16="http://schemas.microsoft.com/office/drawing/2014/main" xmlns="" id="{72728B6F-9E0E-4855-9B6A-D98006B948B6}"/>
               </a:ext>
             </a:extLst>
           </p:cNvPr>
@@ -6862,7 +6790,7 @@
             <p:cNvPr id="43" name="42 Conector">
               <a:extLst>
                 <a:ext uri="{FF2B5EF4-FFF2-40B4-BE49-F238E27FC236}">
-                  <a16:creationId xmlns="" xmlns:a16="http://schemas.microsoft.com/office/drawing/2014/main" id="{373A1267-C09A-4344-AB04-4D134201A6BE}"/>
+                  <a16:creationId xmlns:a16="http://schemas.microsoft.com/office/drawing/2014/main" xmlns="" id="{373A1267-C09A-4344-AB04-4D134201A6BE}"/>
                 </a:ext>
               </a:extLst>
             </p:cNvPr>
@@ -6919,7 +6847,7 @@
             <p:cNvPr id="44" name="43 Conector">
               <a:extLst>
                 <a:ext uri="{FF2B5EF4-FFF2-40B4-BE49-F238E27FC236}">
-                  <a16:creationId xmlns="" xmlns:a16="http://schemas.microsoft.com/office/drawing/2014/main" id="{63920072-F0D4-437F-AAD7-67A75B8A9057}"/>
+                  <a16:creationId xmlns:a16="http://schemas.microsoft.com/office/drawing/2014/main" xmlns="" id="{63920072-F0D4-437F-AAD7-67A75B8A9057}"/>
                 </a:ext>
               </a:extLst>
             </p:cNvPr>
@@ -7046,7 +6974,7 @@
           <p:cNvPr id="74" name="29 Conector recto de flecha">
             <a:extLst>
               <a:ext uri="{FF2B5EF4-FFF2-40B4-BE49-F238E27FC236}">
-                <a16:creationId xmlns="" xmlns:a16="http://schemas.microsoft.com/office/drawing/2014/main" id="{E051F635-5666-428C-91BF-EB77E088BD3E}"/>
+                <a16:creationId xmlns:a16="http://schemas.microsoft.com/office/drawing/2014/main" xmlns="" id="{E051F635-5666-428C-91BF-EB77E088BD3E}"/>
               </a:ext>
             </a:extLst>
           </p:cNvPr>
@@ -7089,7 +7017,7 @@
           <p:cNvPr id="82" name="29 Conector recto de flecha">
             <a:extLst>
               <a:ext uri="{FF2B5EF4-FFF2-40B4-BE49-F238E27FC236}">
-                <a16:creationId xmlns="" xmlns:a16="http://schemas.microsoft.com/office/drawing/2014/main" id="{E051F635-5666-428C-91BF-EB77E088BD3E}"/>
+                <a16:creationId xmlns:a16="http://schemas.microsoft.com/office/drawing/2014/main" xmlns="" id="{E051F635-5666-428C-91BF-EB77E088BD3E}"/>
               </a:ext>
             </a:extLst>
           </p:cNvPr>
@@ -7132,7 +7060,7 @@
           <p:cNvPr id="94" name="30 CuadroTexto">
             <a:extLst>
               <a:ext uri="{FF2B5EF4-FFF2-40B4-BE49-F238E27FC236}">
-                <a16:creationId xmlns="" xmlns:a16="http://schemas.microsoft.com/office/drawing/2014/main" id="{6FAC7A1A-4EE0-4C6E-8C57-737F69FEEA58}"/>
+                <a16:creationId xmlns:a16="http://schemas.microsoft.com/office/drawing/2014/main" xmlns="" id="{6FAC7A1A-4EE0-4C6E-8C57-737F69FEEA58}"/>
               </a:ext>
             </a:extLst>
           </p:cNvPr>
@@ -7159,7 +7087,6 @@
               <a:rPr lang="es-ES" sz="1100" smtClean="0"/>
               <a:t>Sí</a:t>
             </a:r>
-            <a:endParaRPr lang="es-ES" sz="1100" smtClean="0"/>
           </a:p>
         </p:txBody>
       </p:sp>
@@ -7168,7 +7095,7 @@
           <p:cNvPr id="95" name="30 CuadroTexto">
             <a:extLst>
               <a:ext uri="{FF2B5EF4-FFF2-40B4-BE49-F238E27FC236}">
-                <a16:creationId xmlns="" xmlns:a16="http://schemas.microsoft.com/office/drawing/2014/main" id="{5B67840B-D3E7-4642-A33C-52505043E768}"/>
+                <a16:creationId xmlns:a16="http://schemas.microsoft.com/office/drawing/2014/main" xmlns="" id="{5B67840B-D3E7-4642-A33C-52505043E768}"/>
               </a:ext>
             </a:extLst>
           </p:cNvPr>
@@ -7203,7 +7130,7 @@
           <p:cNvPr id="99" name="30 CuadroTexto">
             <a:extLst>
               <a:ext uri="{FF2B5EF4-FFF2-40B4-BE49-F238E27FC236}">
-                <a16:creationId xmlns="" xmlns:a16="http://schemas.microsoft.com/office/drawing/2014/main" id="{6FAC7A1A-4EE0-4C6E-8C57-737F69FEEA58}"/>
+                <a16:creationId xmlns:a16="http://schemas.microsoft.com/office/drawing/2014/main" xmlns="" id="{6FAC7A1A-4EE0-4C6E-8C57-737F69FEEA58}"/>
               </a:ext>
             </a:extLst>
           </p:cNvPr>
@@ -7230,7 +7157,6 @@
               <a:rPr lang="es-ES" sz="1100" smtClean="0"/>
               <a:t>Sí</a:t>
             </a:r>
-            <a:endParaRPr lang="es-ES" sz="1100" smtClean="0"/>
           </a:p>
         </p:txBody>
       </p:sp>
@@ -7239,7 +7165,7 @@
           <p:cNvPr id="100" name="30 CuadroTexto">
             <a:extLst>
               <a:ext uri="{FF2B5EF4-FFF2-40B4-BE49-F238E27FC236}">
-                <a16:creationId xmlns="" xmlns:a16="http://schemas.microsoft.com/office/drawing/2014/main" id="{5B67840B-D3E7-4642-A33C-52505043E768}"/>
+                <a16:creationId xmlns:a16="http://schemas.microsoft.com/office/drawing/2014/main" xmlns="" id="{5B67840B-D3E7-4642-A33C-52505043E768}"/>
               </a:ext>
             </a:extLst>
           </p:cNvPr>
@@ -7410,15 +7336,7 @@
                   <a:srgbClr val="0070C0"/>
                 </a:solidFill>
               </a:rPr>
-              <a:t> </a:t>
-            </a:r>
-            <a:r>
-              <a:rPr lang="es-ES" sz="2400" smtClean="0">
-                <a:solidFill>
-                  <a:srgbClr val="0070C0"/>
-                </a:solidFill>
-              </a:rPr>
-              <a:t>Consola</a:t>
+              <a:t> Consola</a:t>
             </a:r>
             <a:endParaRPr lang="es-ES" sz="2400">
               <a:solidFill>
@@ -7489,7 +7407,7 @@
                   <a:srgbClr val="C00000"/>
                 </a:solidFill>
               </a:rPr>
-              <a:t>cartucho</a:t>
+              <a:t>de cartucho</a:t>
             </a:r>
             <a:endParaRPr lang="es-ES" sz="1600" b="1">
               <a:solidFill>
@@ -7983,15 +7901,7 @@
                   <a:srgbClr val="006600"/>
                 </a:solidFill>
               </a:rPr>
-              <a:t>(</a:t>
-            </a:r>
-            <a:r>
-              <a:rPr lang="es-ES" sz="1100" smtClean="0">
-                <a:solidFill>
-                  <a:srgbClr val="006600"/>
-                </a:solidFill>
-              </a:rPr>
-              <a:t>sonidos)</a:t>
+              <a:t>(sonidos)</a:t>
             </a:r>
             <a:endParaRPr lang="es-ES" sz="1100">
               <a:solidFill>
@@ -8674,15 +8584,7 @@
                   <a:srgbClr val="0070C0"/>
                 </a:solidFill>
               </a:rPr>
-              <a:t> </a:t>
-            </a:r>
-            <a:r>
-              <a:rPr lang="es-ES" sz="2400" smtClean="0">
-                <a:solidFill>
-                  <a:srgbClr val="0070C0"/>
-                </a:solidFill>
-              </a:rPr>
-              <a:t>Consola</a:t>
+              <a:t> Consola</a:t>
             </a:r>
             <a:endParaRPr lang="es-ES" sz="2400">
               <a:solidFill>
@@ -8742,7 +8644,15 @@
                   <a:srgbClr val="C00000"/>
                 </a:solidFill>
               </a:rPr>
-              <a:t>Controlador tarj. memoria</a:t>
+              <a:t>Controlador </a:t>
+            </a:r>
+            <a:r>
+              <a:rPr lang="es-ES" sz="1600" b="1" smtClean="0">
+                <a:solidFill>
+                  <a:srgbClr val="C00000"/>
+                </a:solidFill>
+              </a:rPr>
+              <a:t>de tarjeta</a:t>
             </a:r>
             <a:endParaRPr lang="es-ES" sz="1600" b="1">
               <a:solidFill>

--- a/Specification/Spanish/Editable source images/Imágenes Spec Parte 6 - Chips controladores.pptx
+++ b/Specification/Spanish/Editable source images/Imágenes Spec Parte 6 - Chips controladores.pptx
@@ -295,7 +295,7 @@
             <a:fld id="{1762487E-E677-4519-9D9B-00832401FE8D}" type="datetimeFigureOut">
               <a:rPr lang="es-ES" smtClean="0"/>
               <a:pPr/>
-              <a:t>06/01/2024</a:t>
+              <a:t>07/01/2024</a:t>
             </a:fld>
             <a:endParaRPr lang="es-ES"/>
           </a:p>
@@ -462,7 +462,7 @@
             <a:fld id="{1762487E-E677-4519-9D9B-00832401FE8D}" type="datetimeFigureOut">
               <a:rPr lang="es-ES" smtClean="0"/>
               <a:pPr/>
-              <a:t>06/01/2024</a:t>
+              <a:t>07/01/2024</a:t>
             </a:fld>
             <a:endParaRPr lang="es-ES"/>
           </a:p>
@@ -639,7 +639,7 @@
             <a:fld id="{1762487E-E677-4519-9D9B-00832401FE8D}" type="datetimeFigureOut">
               <a:rPr lang="es-ES" smtClean="0"/>
               <a:pPr/>
-              <a:t>06/01/2024</a:t>
+              <a:t>07/01/2024</a:t>
             </a:fld>
             <a:endParaRPr lang="es-ES"/>
           </a:p>
@@ -806,7 +806,7 @@
             <a:fld id="{1762487E-E677-4519-9D9B-00832401FE8D}" type="datetimeFigureOut">
               <a:rPr lang="es-ES" smtClean="0"/>
               <a:pPr/>
-              <a:t>06/01/2024</a:t>
+              <a:t>07/01/2024</a:t>
             </a:fld>
             <a:endParaRPr lang="es-ES"/>
           </a:p>
@@ -1049,7 +1049,7 @@
             <a:fld id="{1762487E-E677-4519-9D9B-00832401FE8D}" type="datetimeFigureOut">
               <a:rPr lang="es-ES" smtClean="0"/>
               <a:pPr/>
-              <a:t>06/01/2024</a:t>
+              <a:t>07/01/2024</a:t>
             </a:fld>
             <a:endParaRPr lang="es-ES"/>
           </a:p>
@@ -1334,7 +1334,7 @@
             <a:fld id="{1762487E-E677-4519-9D9B-00832401FE8D}" type="datetimeFigureOut">
               <a:rPr lang="es-ES" smtClean="0"/>
               <a:pPr/>
-              <a:t>06/01/2024</a:t>
+              <a:t>07/01/2024</a:t>
             </a:fld>
             <a:endParaRPr lang="es-ES"/>
           </a:p>
@@ -1758,7 +1758,7 @@
             <a:fld id="{1762487E-E677-4519-9D9B-00832401FE8D}" type="datetimeFigureOut">
               <a:rPr lang="es-ES" smtClean="0"/>
               <a:pPr/>
-              <a:t>06/01/2024</a:t>
+              <a:t>07/01/2024</a:t>
             </a:fld>
             <a:endParaRPr lang="es-ES"/>
           </a:p>
@@ -1873,7 +1873,7 @@
             <a:fld id="{1762487E-E677-4519-9D9B-00832401FE8D}" type="datetimeFigureOut">
               <a:rPr lang="es-ES" smtClean="0"/>
               <a:pPr/>
-              <a:t>06/01/2024</a:t>
+              <a:t>07/01/2024</a:t>
             </a:fld>
             <a:endParaRPr lang="es-ES"/>
           </a:p>
@@ -1965,7 +1965,7 @@
             <a:fld id="{1762487E-E677-4519-9D9B-00832401FE8D}" type="datetimeFigureOut">
               <a:rPr lang="es-ES" smtClean="0"/>
               <a:pPr/>
-              <a:t>06/01/2024</a:t>
+              <a:t>07/01/2024</a:t>
             </a:fld>
             <a:endParaRPr lang="es-ES"/>
           </a:p>
@@ -2239,7 +2239,7 @@
             <a:fld id="{1762487E-E677-4519-9D9B-00832401FE8D}" type="datetimeFigureOut">
               <a:rPr lang="es-ES" smtClean="0"/>
               <a:pPr/>
-              <a:t>06/01/2024</a:t>
+              <a:t>07/01/2024</a:t>
             </a:fld>
             <a:endParaRPr lang="es-ES"/>
           </a:p>
@@ -2489,7 +2489,7 @@
             <a:fld id="{1762487E-E677-4519-9D9B-00832401FE8D}" type="datetimeFigureOut">
               <a:rPr lang="es-ES" smtClean="0"/>
               <a:pPr/>
-              <a:t>06/01/2024</a:t>
+              <a:t>07/01/2024</a:t>
             </a:fld>
             <a:endParaRPr lang="es-ES"/>
           </a:p>
@@ -2702,7 +2702,7 @@
             <a:fld id="{1762487E-E677-4519-9D9B-00832401FE8D}" type="datetimeFigureOut">
               <a:rPr lang="es-ES" smtClean="0"/>
               <a:pPr/>
-              <a:t>06/01/2024</a:t>
+              <a:t>07/01/2024</a:t>
             </a:fld>
             <a:endParaRPr lang="es-ES"/>
           </a:p>
@@ -3480,23 +3480,7 @@
                   <a:srgbClr val="006600"/>
                 </a:solidFill>
               </a:rPr>
-              <a:t>Memoria </a:t>
-            </a:r>
-            <a:r>
-              <a:rPr lang="es-ES" sz="1400" smtClean="0">
-                <a:solidFill>
-                  <a:srgbClr val="006600"/>
-                </a:solidFill>
-              </a:rPr>
-              <a:t>o </a:t>
-            </a:r>
-            <a:r>
-              <a:rPr lang="es-ES" sz="1400" smtClean="0">
-                <a:solidFill>
-                  <a:srgbClr val="006600"/>
-                </a:solidFill>
-              </a:rPr>
-              <a:t>estado interno</a:t>
+              <a:t>Memoria o estado interno</a:t>
             </a:r>
             <a:endParaRPr lang="es-ES" sz="1400">
               <a:solidFill>
@@ -3824,15 +3808,7 @@
                   <a:srgbClr val="C00000"/>
                 </a:solidFill>
               </a:rPr>
-              <a:t>de </a:t>
-            </a:r>
-            <a:r>
-              <a:rPr lang="es-ES" sz="1600" b="1" smtClean="0">
-                <a:solidFill>
-                  <a:srgbClr val="C00000"/>
-                </a:solidFill>
-              </a:rPr>
-              <a:t>mandos</a:t>
+              <a:t>de mandos</a:t>
             </a:r>
             <a:endParaRPr lang="es-ES" sz="1600" b="1">
               <a:solidFill>
@@ -4707,7 +4683,7 @@
           <p:cNvPr id="9" name="CuadroTexto 19">
             <a:extLst>
               <a:ext uri="{FF2B5EF4-FFF2-40B4-BE49-F238E27FC236}">
-                <a16:creationId xmlns:a16="http://schemas.microsoft.com/office/drawing/2014/main" xmlns="" id="{B81A97C9-B44A-4DCA-962F-3BB6FD3A6362}"/>
+                <a16:creationId xmlns="" xmlns:a16="http://schemas.microsoft.com/office/drawing/2014/main" id="{B81A97C9-B44A-4DCA-962F-3BB6FD3A6362}"/>
               </a:ext>
             </a:extLst>
           </p:cNvPr>
@@ -5376,7 +5352,7 @@
           <p:cNvPr id="27" name="36 Conector">
             <a:extLst>
               <a:ext uri="{FF2B5EF4-FFF2-40B4-BE49-F238E27FC236}">
-                <a16:creationId xmlns:a16="http://schemas.microsoft.com/office/drawing/2014/main" xmlns="" id="{11CC1446-9291-450E-9B53-2A15F8DBEF08}"/>
+                <a16:creationId xmlns="" xmlns:a16="http://schemas.microsoft.com/office/drawing/2014/main" id="{11CC1446-9291-450E-9B53-2A15F8DBEF08}"/>
               </a:ext>
             </a:extLst>
           </p:cNvPr>
@@ -5428,7 +5404,7 @@
           <p:cNvPr id="28" name="29 Conector recto de flecha">
             <a:extLst>
               <a:ext uri="{FF2B5EF4-FFF2-40B4-BE49-F238E27FC236}">
-                <a16:creationId xmlns:a16="http://schemas.microsoft.com/office/drawing/2014/main" xmlns="" id="{E051F635-5666-428C-91BF-EB77E088BD3E}"/>
+                <a16:creationId xmlns="" xmlns:a16="http://schemas.microsoft.com/office/drawing/2014/main" id="{E051F635-5666-428C-91BF-EB77E088BD3E}"/>
               </a:ext>
             </a:extLst>
           </p:cNvPr>
@@ -5471,7 +5447,7 @@
           <p:cNvPr id="30" name="16 Decisión">
             <a:extLst>
               <a:ext uri="{FF2B5EF4-FFF2-40B4-BE49-F238E27FC236}">
-                <a16:creationId xmlns:a16="http://schemas.microsoft.com/office/drawing/2014/main" xmlns="" id="{FD2C65EB-311B-4CBC-A411-E81D45AF1666}"/>
+                <a16:creationId xmlns="" xmlns:a16="http://schemas.microsoft.com/office/drawing/2014/main" id="{FD2C65EB-311B-4CBC-A411-E81D45AF1666}"/>
               </a:ext>
             </a:extLst>
           </p:cNvPr>
@@ -5529,7 +5505,7 @@
           <p:cNvPr id="46" name="30 CuadroTexto">
             <a:extLst>
               <a:ext uri="{FF2B5EF4-FFF2-40B4-BE49-F238E27FC236}">
-                <a16:creationId xmlns:a16="http://schemas.microsoft.com/office/drawing/2014/main" xmlns="" id="{4C0646B8-2B7E-4579-AEF8-C28BED180070}"/>
+                <a16:creationId xmlns="" xmlns:a16="http://schemas.microsoft.com/office/drawing/2014/main" id="{4C0646B8-2B7E-4579-AEF8-C28BED180070}"/>
               </a:ext>
             </a:extLst>
           </p:cNvPr>
@@ -5566,7 +5542,7 @@
           <p:cNvPr id="48" name="29 Conector recto de flecha">
             <a:extLst>
               <a:ext uri="{FF2B5EF4-FFF2-40B4-BE49-F238E27FC236}">
-                <a16:creationId xmlns:a16="http://schemas.microsoft.com/office/drawing/2014/main" xmlns="" id="{E051F635-5666-428C-91BF-EB77E088BD3E}"/>
+                <a16:creationId xmlns="" xmlns:a16="http://schemas.microsoft.com/office/drawing/2014/main" id="{E051F635-5666-428C-91BF-EB77E088BD3E}"/>
               </a:ext>
             </a:extLst>
           </p:cNvPr>
@@ -5609,7 +5585,7 @@
           <p:cNvPr id="49" name="29 Conector recto de flecha">
             <a:extLst>
               <a:ext uri="{FF2B5EF4-FFF2-40B4-BE49-F238E27FC236}">
-                <a16:creationId xmlns:a16="http://schemas.microsoft.com/office/drawing/2014/main" xmlns="" id="{E051F635-5666-428C-91BF-EB77E088BD3E}"/>
+                <a16:creationId xmlns="" xmlns:a16="http://schemas.microsoft.com/office/drawing/2014/main" id="{E051F635-5666-428C-91BF-EB77E088BD3E}"/>
               </a:ext>
             </a:extLst>
           </p:cNvPr>
@@ -5651,7 +5627,7 @@
           <p:cNvPr id="51" name="20 Rectángulo redondeado">
             <a:extLst>
               <a:ext uri="{FF2B5EF4-FFF2-40B4-BE49-F238E27FC236}">
-                <a16:creationId xmlns:a16="http://schemas.microsoft.com/office/drawing/2014/main" xmlns="" id="{7938FCD4-2AEB-4A9C-BFA6-FF58F425573D}"/>
+                <a16:creationId xmlns="" xmlns:a16="http://schemas.microsoft.com/office/drawing/2014/main" id="{7938FCD4-2AEB-4A9C-BFA6-FF58F425573D}"/>
               </a:ext>
             </a:extLst>
           </p:cNvPr>
@@ -5712,7 +5688,7 @@
           <p:cNvPr id="52" name="19 Grupo">
             <a:extLst>
               <a:ext uri="{FF2B5EF4-FFF2-40B4-BE49-F238E27FC236}">
-                <a16:creationId xmlns:a16="http://schemas.microsoft.com/office/drawing/2014/main" xmlns="" id="{72728B6F-9E0E-4855-9B6A-D98006B948B6}"/>
+                <a16:creationId xmlns="" xmlns:a16="http://schemas.microsoft.com/office/drawing/2014/main" id="{72728B6F-9E0E-4855-9B6A-D98006B948B6}"/>
               </a:ext>
             </a:extLst>
           </p:cNvPr>
@@ -5732,7 +5708,7 @@
             <p:cNvPr id="53" name="42 Conector">
               <a:extLst>
                 <a:ext uri="{FF2B5EF4-FFF2-40B4-BE49-F238E27FC236}">
-                  <a16:creationId xmlns:a16="http://schemas.microsoft.com/office/drawing/2014/main" xmlns="" id="{373A1267-C09A-4344-AB04-4D134201A6BE}"/>
+                  <a16:creationId xmlns="" xmlns:a16="http://schemas.microsoft.com/office/drawing/2014/main" id="{373A1267-C09A-4344-AB04-4D134201A6BE}"/>
                 </a:ext>
               </a:extLst>
             </p:cNvPr>
@@ -5789,7 +5765,7 @@
             <p:cNvPr id="54" name="43 Conector">
               <a:extLst>
                 <a:ext uri="{FF2B5EF4-FFF2-40B4-BE49-F238E27FC236}">
-                  <a16:creationId xmlns:a16="http://schemas.microsoft.com/office/drawing/2014/main" xmlns="" id="{63920072-F0D4-437F-AAD7-67A75B8A9057}"/>
+                  <a16:creationId xmlns="" xmlns:a16="http://schemas.microsoft.com/office/drawing/2014/main" id="{63920072-F0D4-437F-AAD7-67A75B8A9057}"/>
                 </a:ext>
               </a:extLst>
             </p:cNvPr>
@@ -5844,7 +5820,7 @@
           <p:cNvPr id="55" name="29 Conector recto de flecha">
             <a:extLst>
               <a:ext uri="{FF2B5EF4-FFF2-40B4-BE49-F238E27FC236}">
-                <a16:creationId xmlns:a16="http://schemas.microsoft.com/office/drawing/2014/main" xmlns="" id="{D6C31BC0-E444-49C8-BD7A-147BEB33D395}"/>
+                <a16:creationId xmlns="" xmlns:a16="http://schemas.microsoft.com/office/drawing/2014/main" id="{D6C31BC0-E444-49C8-BD7A-147BEB33D395}"/>
               </a:ext>
             </a:extLst>
           </p:cNvPr>
@@ -5887,7 +5863,7 @@
           <p:cNvPr id="59" name="16 Decisión">
             <a:extLst>
               <a:ext uri="{FF2B5EF4-FFF2-40B4-BE49-F238E27FC236}">
-                <a16:creationId xmlns:a16="http://schemas.microsoft.com/office/drawing/2014/main" xmlns="" id="{FD2C65EB-311B-4CBC-A411-E81D45AF1666}"/>
+                <a16:creationId xmlns="" xmlns:a16="http://schemas.microsoft.com/office/drawing/2014/main" id="{FD2C65EB-311B-4CBC-A411-E81D45AF1666}"/>
               </a:ext>
             </a:extLst>
           </p:cNvPr>
@@ -5945,7 +5921,7 @@
           <p:cNvPr id="60" name="30 CuadroTexto">
             <a:extLst>
               <a:ext uri="{FF2B5EF4-FFF2-40B4-BE49-F238E27FC236}">
-                <a16:creationId xmlns:a16="http://schemas.microsoft.com/office/drawing/2014/main" xmlns="" id="{6FAC7A1A-4EE0-4C6E-8C57-737F69FEEA58}"/>
+                <a16:creationId xmlns="" xmlns:a16="http://schemas.microsoft.com/office/drawing/2014/main" id="{6FAC7A1A-4EE0-4C6E-8C57-737F69FEEA58}"/>
               </a:ext>
             </a:extLst>
           </p:cNvPr>
@@ -5981,7 +5957,7 @@
           <p:cNvPr id="61" name="30 CuadroTexto">
             <a:extLst>
               <a:ext uri="{FF2B5EF4-FFF2-40B4-BE49-F238E27FC236}">
-                <a16:creationId xmlns:a16="http://schemas.microsoft.com/office/drawing/2014/main" xmlns="" id="{5B67840B-D3E7-4642-A33C-52505043E768}"/>
+                <a16:creationId xmlns="" xmlns:a16="http://schemas.microsoft.com/office/drawing/2014/main" id="{5B67840B-D3E7-4642-A33C-52505043E768}"/>
               </a:ext>
             </a:extLst>
           </p:cNvPr>
@@ -6016,7 +5992,7 @@
           <p:cNvPr id="64" name="30 CuadroTexto">
             <a:extLst>
               <a:ext uri="{FF2B5EF4-FFF2-40B4-BE49-F238E27FC236}">
-                <a16:creationId xmlns:a16="http://schemas.microsoft.com/office/drawing/2014/main" xmlns="" id="{4C0646B8-2B7E-4579-AEF8-C28BED180070}"/>
+                <a16:creationId xmlns="" xmlns:a16="http://schemas.microsoft.com/office/drawing/2014/main" id="{4C0646B8-2B7E-4579-AEF8-C28BED180070}"/>
               </a:ext>
             </a:extLst>
           </p:cNvPr>
@@ -6053,7 +6029,7 @@
           <p:cNvPr id="68" name="29 Conector recto de flecha">
             <a:extLst>
               <a:ext uri="{FF2B5EF4-FFF2-40B4-BE49-F238E27FC236}">
-                <a16:creationId xmlns:a16="http://schemas.microsoft.com/office/drawing/2014/main" xmlns="" id="{E051F635-5666-428C-91BF-EB77E088BD3E}"/>
+                <a16:creationId xmlns="" xmlns:a16="http://schemas.microsoft.com/office/drawing/2014/main" id="{E051F635-5666-428C-91BF-EB77E088BD3E}"/>
               </a:ext>
             </a:extLst>
           </p:cNvPr>
@@ -6095,7 +6071,7 @@
           <p:cNvPr id="70" name="30 CuadroTexto">
             <a:extLst>
               <a:ext uri="{FF2B5EF4-FFF2-40B4-BE49-F238E27FC236}">
-                <a16:creationId xmlns:a16="http://schemas.microsoft.com/office/drawing/2014/main" xmlns="" id="{6FAC7A1A-4EE0-4C6E-8C57-737F69FEEA58}"/>
+                <a16:creationId xmlns="" xmlns:a16="http://schemas.microsoft.com/office/drawing/2014/main" id="{6FAC7A1A-4EE0-4C6E-8C57-737F69FEEA58}"/>
               </a:ext>
             </a:extLst>
           </p:cNvPr>
@@ -6130,7 +6106,7 @@
           <p:cNvPr id="71" name="30 CuadroTexto">
             <a:extLst>
               <a:ext uri="{FF2B5EF4-FFF2-40B4-BE49-F238E27FC236}">
-                <a16:creationId xmlns:a16="http://schemas.microsoft.com/office/drawing/2014/main" xmlns="" id="{5B67840B-D3E7-4642-A33C-52505043E768}"/>
+                <a16:creationId xmlns="" xmlns:a16="http://schemas.microsoft.com/office/drawing/2014/main" id="{5B67840B-D3E7-4642-A33C-52505043E768}"/>
               </a:ext>
             </a:extLst>
           </p:cNvPr>
@@ -6165,7 +6141,7 @@
           <p:cNvPr id="76" name="16 Decisión">
             <a:extLst>
               <a:ext uri="{FF2B5EF4-FFF2-40B4-BE49-F238E27FC236}">
-                <a16:creationId xmlns:a16="http://schemas.microsoft.com/office/drawing/2014/main" xmlns="" id="{FD2C65EB-311B-4CBC-A411-E81D45AF1666}"/>
+                <a16:creationId xmlns="" xmlns:a16="http://schemas.microsoft.com/office/drawing/2014/main" id="{FD2C65EB-311B-4CBC-A411-E81D45AF1666}"/>
               </a:ext>
             </a:extLst>
           </p:cNvPr>
@@ -6223,7 +6199,7 @@
           <p:cNvPr id="77" name="30 CuadroTexto">
             <a:extLst>
               <a:ext uri="{FF2B5EF4-FFF2-40B4-BE49-F238E27FC236}">
-                <a16:creationId xmlns:a16="http://schemas.microsoft.com/office/drawing/2014/main" xmlns="" id="{4C0646B8-2B7E-4579-AEF8-C28BED180070}"/>
+                <a16:creationId xmlns="" xmlns:a16="http://schemas.microsoft.com/office/drawing/2014/main" id="{4C0646B8-2B7E-4579-AEF8-C28BED180070}"/>
               </a:ext>
             </a:extLst>
           </p:cNvPr>
@@ -6296,7 +6272,7 @@
           <p:cNvPr id="80" name="16 Decisión">
             <a:extLst>
               <a:ext uri="{FF2B5EF4-FFF2-40B4-BE49-F238E27FC236}">
-                <a16:creationId xmlns:a16="http://schemas.microsoft.com/office/drawing/2014/main" xmlns="" id="{FD2C65EB-311B-4CBC-A411-E81D45AF1666}"/>
+                <a16:creationId xmlns="" xmlns:a16="http://schemas.microsoft.com/office/drawing/2014/main" id="{FD2C65EB-311B-4CBC-A411-E81D45AF1666}"/>
               </a:ext>
             </a:extLst>
           </p:cNvPr>
@@ -6354,7 +6330,7 @@
           <p:cNvPr id="84" name="29 Conector recto de flecha">
             <a:extLst>
               <a:ext uri="{FF2B5EF4-FFF2-40B4-BE49-F238E27FC236}">
-                <a16:creationId xmlns:a16="http://schemas.microsoft.com/office/drawing/2014/main" xmlns="" id="{E051F635-5666-428C-91BF-EB77E088BD3E}"/>
+                <a16:creationId xmlns="" xmlns:a16="http://schemas.microsoft.com/office/drawing/2014/main" id="{E051F635-5666-428C-91BF-EB77E088BD3E}"/>
               </a:ext>
             </a:extLst>
           </p:cNvPr>
@@ -6397,7 +6373,7 @@
           <p:cNvPr id="85" name="29 Conector recto de flecha">
             <a:extLst>
               <a:ext uri="{FF2B5EF4-FFF2-40B4-BE49-F238E27FC236}">
-                <a16:creationId xmlns:a16="http://schemas.microsoft.com/office/drawing/2014/main" xmlns="" id="{E051F635-5666-428C-91BF-EB77E088BD3E}"/>
+                <a16:creationId xmlns="" xmlns:a16="http://schemas.microsoft.com/office/drawing/2014/main" id="{E051F635-5666-428C-91BF-EB77E088BD3E}"/>
               </a:ext>
             </a:extLst>
           </p:cNvPr>
@@ -6440,7 +6416,7 @@
           <p:cNvPr id="87" name="20 Rectángulo redondeado">
             <a:extLst>
               <a:ext uri="{FF2B5EF4-FFF2-40B4-BE49-F238E27FC236}">
-                <a16:creationId xmlns:a16="http://schemas.microsoft.com/office/drawing/2014/main" xmlns="" id="{7938FCD4-2AEB-4A9C-BFA6-FF58F425573D}"/>
+                <a16:creationId xmlns="" xmlns:a16="http://schemas.microsoft.com/office/drawing/2014/main" id="{7938FCD4-2AEB-4A9C-BFA6-FF58F425573D}"/>
               </a:ext>
             </a:extLst>
           </p:cNvPr>
@@ -6508,7 +6484,7 @@
           <p:cNvPr id="88" name="20 Rectángulo redondeado">
             <a:extLst>
               <a:ext uri="{FF2B5EF4-FFF2-40B4-BE49-F238E27FC236}">
-                <a16:creationId xmlns:a16="http://schemas.microsoft.com/office/drawing/2014/main" xmlns="" id="{7938FCD4-2AEB-4A9C-BFA6-FF58F425573D}"/>
+                <a16:creationId xmlns="" xmlns:a16="http://schemas.microsoft.com/office/drawing/2014/main" id="{7938FCD4-2AEB-4A9C-BFA6-FF58F425573D}"/>
               </a:ext>
             </a:extLst>
           </p:cNvPr>
@@ -6569,7 +6545,7 @@
           <p:cNvPr id="89" name="20 Rectángulo redondeado">
             <a:extLst>
               <a:ext uri="{FF2B5EF4-FFF2-40B4-BE49-F238E27FC236}">
-                <a16:creationId xmlns:a16="http://schemas.microsoft.com/office/drawing/2014/main" xmlns="" id="{7938FCD4-2AEB-4A9C-BFA6-FF58F425573D}"/>
+                <a16:creationId xmlns="" xmlns:a16="http://schemas.microsoft.com/office/drawing/2014/main" id="{7938FCD4-2AEB-4A9C-BFA6-FF58F425573D}"/>
               </a:ext>
             </a:extLst>
           </p:cNvPr>
@@ -6630,7 +6606,7 @@
           <p:cNvPr id="90" name="20 Rectángulo redondeado">
             <a:extLst>
               <a:ext uri="{FF2B5EF4-FFF2-40B4-BE49-F238E27FC236}">
-                <a16:creationId xmlns:a16="http://schemas.microsoft.com/office/drawing/2014/main" xmlns="" id="{7938FCD4-2AEB-4A9C-BFA6-FF58F425573D}"/>
+                <a16:creationId xmlns="" xmlns:a16="http://schemas.microsoft.com/office/drawing/2014/main" id="{7938FCD4-2AEB-4A9C-BFA6-FF58F425573D}"/>
               </a:ext>
             </a:extLst>
           </p:cNvPr>
@@ -6770,7 +6746,7 @@
           <p:cNvPr id="42" name="19 Grupo">
             <a:extLst>
               <a:ext uri="{FF2B5EF4-FFF2-40B4-BE49-F238E27FC236}">
-                <a16:creationId xmlns:a16="http://schemas.microsoft.com/office/drawing/2014/main" xmlns="" id="{72728B6F-9E0E-4855-9B6A-D98006B948B6}"/>
+                <a16:creationId xmlns="" xmlns:a16="http://schemas.microsoft.com/office/drawing/2014/main" id="{72728B6F-9E0E-4855-9B6A-D98006B948B6}"/>
               </a:ext>
             </a:extLst>
           </p:cNvPr>
@@ -6790,7 +6766,7 @@
             <p:cNvPr id="43" name="42 Conector">
               <a:extLst>
                 <a:ext uri="{FF2B5EF4-FFF2-40B4-BE49-F238E27FC236}">
-                  <a16:creationId xmlns:a16="http://schemas.microsoft.com/office/drawing/2014/main" xmlns="" id="{373A1267-C09A-4344-AB04-4D134201A6BE}"/>
+                  <a16:creationId xmlns="" xmlns:a16="http://schemas.microsoft.com/office/drawing/2014/main" id="{373A1267-C09A-4344-AB04-4D134201A6BE}"/>
                 </a:ext>
               </a:extLst>
             </p:cNvPr>
@@ -6847,7 +6823,7 @@
             <p:cNvPr id="44" name="43 Conector">
               <a:extLst>
                 <a:ext uri="{FF2B5EF4-FFF2-40B4-BE49-F238E27FC236}">
-                  <a16:creationId xmlns:a16="http://schemas.microsoft.com/office/drawing/2014/main" xmlns="" id="{63920072-F0D4-437F-AAD7-67A75B8A9057}"/>
+                  <a16:creationId xmlns="" xmlns:a16="http://schemas.microsoft.com/office/drawing/2014/main" id="{63920072-F0D4-437F-AAD7-67A75B8A9057}"/>
                 </a:ext>
               </a:extLst>
             </p:cNvPr>
@@ -6974,7 +6950,7 @@
           <p:cNvPr id="74" name="29 Conector recto de flecha">
             <a:extLst>
               <a:ext uri="{FF2B5EF4-FFF2-40B4-BE49-F238E27FC236}">
-                <a16:creationId xmlns:a16="http://schemas.microsoft.com/office/drawing/2014/main" xmlns="" id="{E051F635-5666-428C-91BF-EB77E088BD3E}"/>
+                <a16:creationId xmlns="" xmlns:a16="http://schemas.microsoft.com/office/drawing/2014/main" id="{E051F635-5666-428C-91BF-EB77E088BD3E}"/>
               </a:ext>
             </a:extLst>
           </p:cNvPr>
@@ -7017,7 +6993,7 @@
           <p:cNvPr id="82" name="29 Conector recto de flecha">
             <a:extLst>
               <a:ext uri="{FF2B5EF4-FFF2-40B4-BE49-F238E27FC236}">
-                <a16:creationId xmlns:a16="http://schemas.microsoft.com/office/drawing/2014/main" xmlns="" id="{E051F635-5666-428C-91BF-EB77E088BD3E}"/>
+                <a16:creationId xmlns="" xmlns:a16="http://schemas.microsoft.com/office/drawing/2014/main" id="{E051F635-5666-428C-91BF-EB77E088BD3E}"/>
               </a:ext>
             </a:extLst>
           </p:cNvPr>
@@ -7060,7 +7036,7 @@
           <p:cNvPr id="94" name="30 CuadroTexto">
             <a:extLst>
               <a:ext uri="{FF2B5EF4-FFF2-40B4-BE49-F238E27FC236}">
-                <a16:creationId xmlns:a16="http://schemas.microsoft.com/office/drawing/2014/main" xmlns="" id="{6FAC7A1A-4EE0-4C6E-8C57-737F69FEEA58}"/>
+                <a16:creationId xmlns="" xmlns:a16="http://schemas.microsoft.com/office/drawing/2014/main" id="{6FAC7A1A-4EE0-4C6E-8C57-737F69FEEA58}"/>
               </a:ext>
             </a:extLst>
           </p:cNvPr>
@@ -7095,7 +7071,7 @@
           <p:cNvPr id="95" name="30 CuadroTexto">
             <a:extLst>
               <a:ext uri="{FF2B5EF4-FFF2-40B4-BE49-F238E27FC236}">
-                <a16:creationId xmlns:a16="http://schemas.microsoft.com/office/drawing/2014/main" xmlns="" id="{5B67840B-D3E7-4642-A33C-52505043E768}"/>
+                <a16:creationId xmlns="" xmlns:a16="http://schemas.microsoft.com/office/drawing/2014/main" id="{5B67840B-D3E7-4642-A33C-52505043E768}"/>
               </a:ext>
             </a:extLst>
           </p:cNvPr>
@@ -7130,7 +7106,7 @@
           <p:cNvPr id="99" name="30 CuadroTexto">
             <a:extLst>
               <a:ext uri="{FF2B5EF4-FFF2-40B4-BE49-F238E27FC236}">
-                <a16:creationId xmlns:a16="http://schemas.microsoft.com/office/drawing/2014/main" xmlns="" id="{6FAC7A1A-4EE0-4C6E-8C57-737F69FEEA58}"/>
+                <a16:creationId xmlns="" xmlns:a16="http://schemas.microsoft.com/office/drawing/2014/main" id="{6FAC7A1A-4EE0-4C6E-8C57-737F69FEEA58}"/>
               </a:ext>
             </a:extLst>
           </p:cNvPr>
@@ -7165,7 +7141,7 @@
           <p:cNvPr id="100" name="30 CuadroTexto">
             <a:extLst>
               <a:ext uri="{FF2B5EF4-FFF2-40B4-BE49-F238E27FC236}">
-                <a16:creationId xmlns:a16="http://schemas.microsoft.com/office/drawing/2014/main" xmlns="" id="{5B67840B-D3E7-4642-A33C-52505043E768}"/>
+                <a16:creationId xmlns="" xmlns:a16="http://schemas.microsoft.com/office/drawing/2014/main" id="{5B67840B-D3E7-4642-A33C-52505043E768}"/>
               </a:ext>
             </a:extLst>
           </p:cNvPr>
@@ -7273,7 +7249,7 @@
                   <a:srgbClr val="006600"/>
                 </a:solidFill>
               </a:rPr>
-              <a:t>Cartridge</a:t>
+              <a:t>Cartucho</a:t>
             </a:r>
             <a:endParaRPr lang="es-ES" sz="1600">
               <a:solidFill>
@@ -8644,15 +8620,7 @@
                   <a:srgbClr val="C00000"/>
                 </a:solidFill>
               </a:rPr>
-              <a:t>Controlador </a:t>
-            </a:r>
-            <a:r>
-              <a:rPr lang="es-ES" sz="1600" b="1" smtClean="0">
-                <a:solidFill>
-                  <a:srgbClr val="C00000"/>
-                </a:solidFill>
-              </a:rPr>
-              <a:t>de tarjeta</a:t>
+              <a:t>Controlador de tarjeta</a:t>
             </a:r>
             <a:endParaRPr lang="es-ES" sz="1600" b="1">
               <a:solidFill>
